--- a/FXLeibility.Matlab/Experiment/ModelValidation/Figures.pptx
+++ b/FXLeibility.Matlab/Experiment/ModelValidation/Figures.pptx
@@ -3105,94 +3105,109 @@
           <a:chExt cx="0" cy="0"/>
         </a:xfrm>
       </p:grpSpPr>
-      <p:pic>
-        <p:nvPicPr>
-          <p:cNvPr id="5" name="Picture 4"/>
-          <p:cNvPicPr>
-            <a:picLocks noChangeAspect="1"/>
-          </p:cNvPicPr>
+      <p:grpSp>
+        <p:nvGrpSpPr>
+          <p:cNvPr id="2" name="Group 1"/>
+          <p:cNvGrpSpPr/>
           <p:nvPr/>
-        </p:nvPicPr>
-        <p:blipFill>
-          <a:blip r:embed="rId2">
-            <a:extLst>
-              <a:ext uri="{28A0092B-C50C-407E-A947-70E740481C1C}">
-                <a14:useLocalDpi xmlns:a14="http://schemas.microsoft.com/office/drawing/2010/main" val="0"/>
-              </a:ext>
-            </a:extLst>
-          </a:blip>
-          <a:stretch>
-            <a:fillRect/>
-          </a:stretch>
-        </p:blipFill>
-        <p:spPr>
+        </p:nvGrpSpPr>
+        <p:grpSpPr>
           <a:xfrm>
             <a:off x="809625" y="285750"/>
-            <a:ext cx="9144000" cy="6858000"/>
+            <a:ext cx="9153522" cy="6858000"/>
+            <a:chOff x="809625" y="285750"/>
+            <a:chExt cx="9153522" cy="6858000"/>
           </a:xfrm>
-          <a:prstGeom prst="rect">
-            <a:avLst/>
-          </a:prstGeom>
-        </p:spPr>
-      </p:pic>
-      <p:pic>
-        <p:nvPicPr>
-          <p:cNvPr id="6" name="Picture 5"/>
-          <p:cNvPicPr>
-            <a:picLocks noChangeAspect="1"/>
-          </p:cNvPicPr>
-          <p:nvPr/>
-        </p:nvPicPr>
-        <p:blipFill rotWithShape="1">
-          <a:blip r:embed="rId3">
-            <a:extLst>
-              <a:ext uri="{28A0092B-C50C-407E-A947-70E740481C1C}">
-                <a14:useLocalDpi xmlns:a14="http://schemas.microsoft.com/office/drawing/2010/main" val="0"/>
-              </a:ext>
-            </a:extLst>
-          </a:blip>
-          <a:srcRect l="12760" t="87709" b="10000"/>
-          <a:stretch/>
-        </p:blipFill>
-        <p:spPr>
-          <a:xfrm flipV="1">
-            <a:off x="1985960" y="742950"/>
-            <a:ext cx="7977187" cy="157162"/>
-          </a:xfrm>
-          <a:prstGeom prst="rect">
-            <a:avLst/>
-          </a:prstGeom>
-        </p:spPr>
-      </p:pic>
-      <p:pic>
-        <p:nvPicPr>
-          <p:cNvPr id="7" name="Picture 6"/>
-          <p:cNvPicPr>
-            <a:picLocks noChangeAspect="1"/>
-          </p:cNvPicPr>
-          <p:nvPr/>
-        </p:nvPicPr>
-        <p:blipFill rotWithShape="1">
-          <a:blip r:embed="rId3">
-            <a:extLst>
-              <a:ext uri="{28A0092B-C50C-407E-A947-70E740481C1C}">
-                <a14:useLocalDpi xmlns:a14="http://schemas.microsoft.com/office/drawing/2010/main" val="0"/>
-              </a:ext>
-            </a:extLst>
-          </a:blip>
-          <a:srcRect l="12552" t="6736" r="86354" b="9931"/>
-          <a:stretch/>
-        </p:blipFill>
-        <p:spPr>
-          <a:xfrm flipH="1">
-            <a:off x="9067796" y="742950"/>
-            <a:ext cx="100013" cy="5715001"/>
-          </a:xfrm>
-          <a:prstGeom prst="rect">
-            <a:avLst/>
-          </a:prstGeom>
-        </p:spPr>
-      </p:pic>
+        </p:grpSpPr>
+        <p:pic>
+          <p:nvPicPr>
+            <p:cNvPr id="5" name="Picture 4"/>
+            <p:cNvPicPr>
+              <a:picLocks noChangeAspect="1"/>
+            </p:cNvPicPr>
+            <p:nvPr/>
+          </p:nvPicPr>
+          <p:blipFill>
+            <a:blip r:embed="rId2">
+              <a:extLst>
+                <a:ext uri="{28A0092B-C50C-407E-A947-70E740481C1C}">
+                  <a14:useLocalDpi xmlns:a14="http://schemas.microsoft.com/office/drawing/2010/main" val="0"/>
+                </a:ext>
+              </a:extLst>
+            </a:blip>
+            <a:stretch>
+              <a:fillRect/>
+            </a:stretch>
+          </p:blipFill>
+          <p:spPr>
+            <a:xfrm>
+              <a:off x="809625" y="285750"/>
+              <a:ext cx="9144000" cy="6858000"/>
+            </a:xfrm>
+            <a:prstGeom prst="rect">
+              <a:avLst/>
+            </a:prstGeom>
+          </p:spPr>
+        </p:pic>
+        <p:pic>
+          <p:nvPicPr>
+            <p:cNvPr id="6" name="Picture 5"/>
+            <p:cNvPicPr>
+              <a:picLocks noChangeAspect="1"/>
+            </p:cNvPicPr>
+            <p:nvPr/>
+          </p:nvPicPr>
+          <p:blipFill rotWithShape="1">
+            <a:blip r:embed="rId3">
+              <a:extLst>
+                <a:ext uri="{28A0092B-C50C-407E-A947-70E740481C1C}">
+                  <a14:useLocalDpi xmlns:a14="http://schemas.microsoft.com/office/drawing/2010/main" val="0"/>
+                </a:ext>
+              </a:extLst>
+            </a:blip>
+            <a:srcRect l="12760" t="87709" b="10000"/>
+            <a:stretch/>
+          </p:blipFill>
+          <p:spPr>
+            <a:xfrm flipV="1">
+              <a:off x="1985960" y="742950"/>
+              <a:ext cx="7977187" cy="157162"/>
+            </a:xfrm>
+            <a:prstGeom prst="rect">
+              <a:avLst/>
+            </a:prstGeom>
+          </p:spPr>
+        </p:pic>
+        <p:pic>
+          <p:nvPicPr>
+            <p:cNvPr id="7" name="Picture 6"/>
+            <p:cNvPicPr>
+              <a:picLocks noChangeAspect="1"/>
+            </p:cNvPicPr>
+            <p:nvPr/>
+          </p:nvPicPr>
+          <p:blipFill rotWithShape="1">
+            <a:blip r:embed="rId3">
+              <a:extLst>
+                <a:ext uri="{28A0092B-C50C-407E-A947-70E740481C1C}">
+                  <a14:useLocalDpi xmlns:a14="http://schemas.microsoft.com/office/drawing/2010/main" val="0"/>
+                </a:ext>
+              </a:extLst>
+            </a:blip>
+            <a:srcRect l="12552" t="6736" r="86354" b="9931"/>
+            <a:stretch/>
+          </p:blipFill>
+          <p:spPr>
+            <a:xfrm flipH="1">
+              <a:off x="9067796" y="742950"/>
+              <a:ext cx="100013" cy="5715001"/>
+            </a:xfrm>
+            <a:prstGeom prst="rect">
+              <a:avLst/>
+            </a:prstGeom>
+          </p:spPr>
+        </p:pic>
+      </p:grpSp>
     </p:spTree>
     <p:extLst>
       <p:ext uri="{BB962C8B-B14F-4D97-AF65-F5344CB8AC3E}">
@@ -3379,94 +3394,109 @@
           </a:p>
         </p:txBody>
       </p:sp>
-      <p:pic>
-        <p:nvPicPr>
-          <p:cNvPr id="3" name="Picture 2"/>
-          <p:cNvPicPr>
-            <a:picLocks noChangeAspect="1"/>
-          </p:cNvPicPr>
+      <p:grpSp>
+        <p:nvGrpSpPr>
+          <p:cNvPr id="6" name="Group 5"/>
+          <p:cNvGrpSpPr/>
           <p:nvPr/>
-        </p:nvPicPr>
-        <p:blipFill>
-          <a:blip r:embed="rId2">
-            <a:extLst>
-              <a:ext uri="{28A0092B-C50C-407E-A947-70E740481C1C}">
-                <a14:useLocalDpi xmlns:a14="http://schemas.microsoft.com/office/drawing/2010/main" val="0"/>
-              </a:ext>
-            </a:extLst>
-          </a:blip>
-          <a:stretch>
-            <a:fillRect/>
-          </a:stretch>
-        </p:blipFill>
-        <p:spPr>
+        </p:nvGrpSpPr>
+        <p:grpSpPr>
           <a:xfrm>
             <a:off x="1524000" y="0"/>
             <a:ext cx="9144000" cy="6858000"/>
+            <a:chOff x="1524000" y="0"/>
+            <a:chExt cx="9144000" cy="6858000"/>
           </a:xfrm>
-          <a:prstGeom prst="rect">
-            <a:avLst/>
-          </a:prstGeom>
-        </p:spPr>
-      </p:pic>
-      <p:pic>
-        <p:nvPicPr>
-          <p:cNvPr id="4" name="Picture 3"/>
-          <p:cNvPicPr>
-            <a:picLocks noChangeAspect="1"/>
-          </p:cNvPicPr>
-          <p:nvPr/>
-        </p:nvPicPr>
-        <p:blipFill rotWithShape="1">
-          <a:blip r:embed="rId3">
-            <a:extLst>
-              <a:ext uri="{28A0092B-C50C-407E-A947-70E740481C1C}">
-                <a14:useLocalDpi xmlns:a14="http://schemas.microsoft.com/office/drawing/2010/main" val="0"/>
-              </a:ext>
-            </a:extLst>
-          </a:blip>
-          <a:srcRect l="12448" t="87775" r="8021" b="9309"/>
-          <a:stretch/>
-        </p:blipFill>
-        <p:spPr>
-          <a:xfrm flipV="1">
-            <a:off x="2671761" y="414336"/>
-            <a:ext cx="7272337" cy="200024"/>
-          </a:xfrm>
-          <a:prstGeom prst="rect">
-            <a:avLst/>
-          </a:prstGeom>
-        </p:spPr>
-      </p:pic>
-      <p:pic>
-        <p:nvPicPr>
-          <p:cNvPr id="5" name="Picture 4"/>
-          <p:cNvPicPr>
-            <a:picLocks noChangeAspect="1"/>
-          </p:cNvPicPr>
-          <p:nvPr/>
-        </p:nvPicPr>
-        <p:blipFill rotWithShape="1">
-          <a:blip r:embed="rId4">
-            <a:extLst>
-              <a:ext uri="{28A0092B-C50C-407E-A947-70E740481C1C}">
-                <a14:useLocalDpi xmlns:a14="http://schemas.microsoft.com/office/drawing/2010/main" val="0"/>
-              </a:ext>
-            </a:extLst>
-          </a:blip>
-          <a:srcRect l="12552" t="6736" r="86354" b="9931"/>
-          <a:stretch/>
-        </p:blipFill>
-        <p:spPr>
-          <a:xfrm flipH="1">
-            <a:off x="9772649" y="457200"/>
-            <a:ext cx="100013" cy="5715001"/>
-          </a:xfrm>
-          <a:prstGeom prst="rect">
-            <a:avLst/>
-          </a:prstGeom>
-        </p:spPr>
-      </p:pic>
+        </p:grpSpPr>
+        <p:pic>
+          <p:nvPicPr>
+            <p:cNvPr id="3" name="Picture 2"/>
+            <p:cNvPicPr>
+              <a:picLocks noChangeAspect="1"/>
+            </p:cNvPicPr>
+            <p:nvPr/>
+          </p:nvPicPr>
+          <p:blipFill>
+            <a:blip r:embed="rId2">
+              <a:extLst>
+                <a:ext uri="{28A0092B-C50C-407E-A947-70E740481C1C}">
+                  <a14:useLocalDpi xmlns:a14="http://schemas.microsoft.com/office/drawing/2010/main" val="0"/>
+                </a:ext>
+              </a:extLst>
+            </a:blip>
+            <a:stretch>
+              <a:fillRect/>
+            </a:stretch>
+          </p:blipFill>
+          <p:spPr>
+            <a:xfrm>
+              <a:off x="1524000" y="0"/>
+              <a:ext cx="9144000" cy="6858000"/>
+            </a:xfrm>
+            <a:prstGeom prst="rect">
+              <a:avLst/>
+            </a:prstGeom>
+          </p:spPr>
+        </p:pic>
+        <p:pic>
+          <p:nvPicPr>
+            <p:cNvPr id="4" name="Picture 3"/>
+            <p:cNvPicPr>
+              <a:picLocks noChangeAspect="1"/>
+            </p:cNvPicPr>
+            <p:nvPr/>
+          </p:nvPicPr>
+          <p:blipFill rotWithShape="1">
+            <a:blip r:embed="rId3">
+              <a:extLst>
+                <a:ext uri="{28A0092B-C50C-407E-A947-70E740481C1C}">
+                  <a14:useLocalDpi xmlns:a14="http://schemas.microsoft.com/office/drawing/2010/main" val="0"/>
+                </a:ext>
+              </a:extLst>
+            </a:blip>
+            <a:srcRect l="12448" t="87775" r="8021" b="9309"/>
+            <a:stretch/>
+          </p:blipFill>
+          <p:spPr>
+            <a:xfrm flipV="1">
+              <a:off x="2671761" y="414336"/>
+              <a:ext cx="7272337" cy="200024"/>
+            </a:xfrm>
+            <a:prstGeom prst="rect">
+              <a:avLst/>
+            </a:prstGeom>
+          </p:spPr>
+        </p:pic>
+        <p:pic>
+          <p:nvPicPr>
+            <p:cNvPr id="5" name="Picture 4"/>
+            <p:cNvPicPr>
+              <a:picLocks noChangeAspect="1"/>
+            </p:cNvPicPr>
+            <p:nvPr/>
+          </p:nvPicPr>
+          <p:blipFill rotWithShape="1">
+            <a:blip r:embed="rId4">
+              <a:extLst>
+                <a:ext uri="{28A0092B-C50C-407E-A947-70E740481C1C}">
+                  <a14:useLocalDpi xmlns:a14="http://schemas.microsoft.com/office/drawing/2010/main" val="0"/>
+                </a:ext>
+              </a:extLst>
+            </a:blip>
+            <a:srcRect l="12552" t="6736" r="86354" b="9931"/>
+            <a:stretch/>
+          </p:blipFill>
+          <p:spPr>
+            <a:xfrm flipH="1">
+              <a:off x="9772649" y="457200"/>
+              <a:ext cx="100013" cy="5715001"/>
+            </a:xfrm>
+            <a:prstGeom prst="rect">
+              <a:avLst/>
+            </a:prstGeom>
+          </p:spPr>
+        </p:pic>
+      </p:grpSp>
     </p:spTree>
     <p:extLst>
       <p:ext uri="{BB962C8B-B14F-4D97-AF65-F5344CB8AC3E}">
